--- a/Python/Foundations of Python/06 OOP/Python OOP.pptx
+++ b/Python/Foundations of Python/06 OOP/Python OOP.pptx
@@ -278,7 +278,7 @@
           <a:p>
             <a:fld id="{6D904D78-C3EC-4EDD-9083-899C490D962D}" type="datetimeFigureOut">
               <a:rPr lang="en-US" smtClean="0"/>
-              <a:t>11/15/2021</a:t>
+              <a:t>11/16/2021</a:t>
             </a:fld>
             <a:endParaRPr lang="en-US"/>
           </a:p>
@@ -476,7 +476,7 @@
           <a:p>
             <a:fld id="{6D904D78-C3EC-4EDD-9083-899C490D962D}" type="datetimeFigureOut">
               <a:rPr lang="en-US" smtClean="0"/>
-              <a:t>11/15/2021</a:t>
+              <a:t>11/16/2021</a:t>
             </a:fld>
             <a:endParaRPr lang="en-US"/>
           </a:p>
@@ -684,7 +684,7 @@
           <a:p>
             <a:fld id="{6D904D78-C3EC-4EDD-9083-899C490D962D}" type="datetimeFigureOut">
               <a:rPr lang="en-US" smtClean="0"/>
-              <a:t>11/15/2021</a:t>
+              <a:t>11/16/2021</a:t>
             </a:fld>
             <a:endParaRPr lang="en-US"/>
           </a:p>
@@ -882,7 +882,7 @@
           <a:p>
             <a:fld id="{6D904D78-C3EC-4EDD-9083-899C490D962D}" type="datetimeFigureOut">
               <a:rPr lang="en-US" smtClean="0"/>
-              <a:t>11/15/2021</a:t>
+              <a:t>11/16/2021</a:t>
             </a:fld>
             <a:endParaRPr lang="en-US"/>
           </a:p>
@@ -1157,7 +1157,7 @@
           <a:p>
             <a:fld id="{6D904D78-C3EC-4EDD-9083-899C490D962D}" type="datetimeFigureOut">
               <a:rPr lang="en-US" smtClean="0"/>
-              <a:t>11/15/2021</a:t>
+              <a:t>11/16/2021</a:t>
             </a:fld>
             <a:endParaRPr lang="en-US"/>
           </a:p>
@@ -1422,7 +1422,7 @@
           <a:p>
             <a:fld id="{6D904D78-C3EC-4EDD-9083-899C490D962D}" type="datetimeFigureOut">
               <a:rPr lang="en-US" smtClean="0"/>
-              <a:t>11/15/2021</a:t>
+              <a:t>11/16/2021</a:t>
             </a:fld>
             <a:endParaRPr lang="en-US"/>
           </a:p>
@@ -1834,7 +1834,7 @@
           <a:p>
             <a:fld id="{6D904D78-C3EC-4EDD-9083-899C490D962D}" type="datetimeFigureOut">
               <a:rPr lang="en-US" smtClean="0"/>
-              <a:t>11/15/2021</a:t>
+              <a:t>11/16/2021</a:t>
             </a:fld>
             <a:endParaRPr lang="en-US"/>
           </a:p>
@@ -1975,7 +1975,7 @@
           <a:p>
             <a:fld id="{6D904D78-C3EC-4EDD-9083-899C490D962D}" type="datetimeFigureOut">
               <a:rPr lang="en-US" smtClean="0"/>
-              <a:t>11/15/2021</a:t>
+              <a:t>11/16/2021</a:t>
             </a:fld>
             <a:endParaRPr lang="en-US"/>
           </a:p>
@@ -2088,7 +2088,7 @@
           <a:p>
             <a:fld id="{6D904D78-C3EC-4EDD-9083-899C490D962D}" type="datetimeFigureOut">
               <a:rPr lang="en-US" smtClean="0"/>
-              <a:t>11/15/2021</a:t>
+              <a:t>11/16/2021</a:t>
             </a:fld>
             <a:endParaRPr lang="en-US"/>
           </a:p>
@@ -2399,7 +2399,7 @@
           <a:p>
             <a:fld id="{6D904D78-C3EC-4EDD-9083-899C490D962D}" type="datetimeFigureOut">
               <a:rPr lang="en-US" smtClean="0"/>
-              <a:t>11/15/2021</a:t>
+              <a:t>11/16/2021</a:t>
             </a:fld>
             <a:endParaRPr lang="en-US"/>
           </a:p>
@@ -2687,7 +2687,7 @@
           <a:p>
             <a:fld id="{6D904D78-C3EC-4EDD-9083-899C490D962D}" type="datetimeFigureOut">
               <a:rPr lang="en-US" smtClean="0"/>
-              <a:t>11/15/2021</a:t>
+              <a:t>11/16/2021</a:t>
             </a:fld>
             <a:endParaRPr lang="en-US"/>
           </a:p>
@@ -2928,7 +2928,7 @@
           <a:p>
             <a:fld id="{6D904D78-C3EC-4EDD-9083-899C490D962D}" type="datetimeFigureOut">
               <a:rPr lang="en-US" smtClean="0"/>
-              <a:t>11/15/2021</a:t>
+              <a:t>11/16/2021</a:t>
             </a:fld>
             <a:endParaRPr lang="en-US"/>
           </a:p>
